--- a/docs/hyperknesisDemo/Images.pptx
+++ b/docs/hyperknesisDemo/Images.pptx
@@ -4109,551 +4109,6 @@
           <a:chExt cx="0" cy="0"/>
         </a:xfrm>
       </p:grpSpPr>
-      <p:grpSp>
-        <p:nvGrpSpPr>
-          <p:cNvPr id="16" name="Group 15">
-            <a:extLst>
-              <a:ext uri="{FF2B5EF4-FFF2-40B4-BE49-F238E27FC236}">
-                <a16:creationId xmlns:a16="http://schemas.microsoft.com/office/drawing/2014/main" id="{07BE250A-A29E-8B09-8C75-9217B410E4D8}"/>
-              </a:ext>
-            </a:extLst>
-          </p:cNvPr>
-          <p:cNvGrpSpPr/>
-          <p:nvPr/>
-        </p:nvGrpSpPr>
-        <p:grpSpPr>
-          <a:xfrm>
-            <a:off x="2256968" y="435014"/>
-            <a:ext cx="7678064" cy="4975739"/>
-            <a:chOff x="2314936" y="1002174"/>
-            <a:chExt cx="7678064" cy="4975739"/>
-          </a:xfrm>
-        </p:grpSpPr>
-        <p:pic>
-          <p:nvPicPr>
-            <p:cNvPr id="5" name="Picture 4" descr="A star shaped object with many small dots&#10;&#10;Description automatically generated with medium confidence">
-              <a:extLst>
-                <a:ext uri="{FF2B5EF4-FFF2-40B4-BE49-F238E27FC236}">
-                  <a16:creationId xmlns:a16="http://schemas.microsoft.com/office/drawing/2014/main" id="{23A943AC-E656-1A75-8C2D-7D5695C6C329}"/>
-                </a:ext>
-              </a:extLst>
-            </p:cNvPr>
-            <p:cNvPicPr>
-              <a:picLocks noChangeAspect="1"/>
-            </p:cNvPicPr>
-            <p:nvPr/>
-          </p:nvPicPr>
-          <p:blipFill>
-            <a:blip r:embed="rId2">
-              <a:extLst>
-                <a:ext uri="{28A0092B-C50C-407E-A947-70E740481C1C}">
-                  <a14:useLocalDpi xmlns:a14="http://schemas.microsoft.com/office/drawing/2010/main" val="0"/>
-                </a:ext>
-              </a:extLst>
-            </a:blip>
-            <a:stretch>
-              <a:fillRect/>
-            </a:stretch>
-          </p:blipFill>
-          <p:spPr>
-            <a:xfrm rot="16200000">
-              <a:off x="4015088" y="1"/>
-              <a:ext cx="4161826" cy="6858000"/>
-            </a:xfrm>
-            <a:prstGeom prst="rect">
-              <a:avLst/>
-            </a:prstGeom>
-          </p:spPr>
-        </p:pic>
-        <p:sp>
-          <p:nvSpPr>
-            <p:cNvPr id="6" name="Oval 5">
-              <a:extLst>
-                <a:ext uri="{FF2B5EF4-FFF2-40B4-BE49-F238E27FC236}">
-                  <a16:creationId xmlns:a16="http://schemas.microsoft.com/office/drawing/2014/main" id="{C5B638EF-155F-B35E-D7D8-2764E968BCFF}"/>
-                </a:ext>
-              </a:extLst>
-            </p:cNvPr>
-            <p:cNvSpPr/>
-            <p:nvPr/>
-          </p:nvSpPr>
-          <p:spPr>
-            <a:xfrm>
-              <a:off x="2314936" y="3290103"/>
-              <a:ext cx="468000" cy="468000"/>
-            </a:xfrm>
-            <a:prstGeom prst="ellipse">
-              <a:avLst/>
-            </a:prstGeom>
-            <a:solidFill>
-              <a:schemeClr val="bg1"/>
-            </a:solidFill>
-          </p:spPr>
-          <p:style>
-            <a:lnRef idx="2">
-              <a:schemeClr val="accent1">
-                <a:shade val="15000"/>
-              </a:schemeClr>
-            </a:lnRef>
-            <a:fillRef idx="1">
-              <a:schemeClr val="accent1"/>
-            </a:fillRef>
-            <a:effectRef idx="0">
-              <a:schemeClr val="accent1"/>
-            </a:effectRef>
-            <a:fontRef idx="minor">
-              <a:schemeClr val="lt1"/>
-            </a:fontRef>
-          </p:style>
-          <p:txBody>
-            <a:bodyPr rtlCol="0" anchor="ctr"/>
-            <a:lstStyle/>
-            <a:p>
-              <a:pPr algn="ctr"/>
-              <a:r>
-                <a:rPr lang="en-GB" sz="2000" dirty="0">
-                  <a:solidFill>
-                    <a:schemeClr val="tx1"/>
-                  </a:solidFill>
-                </a:rPr>
-                <a:t>1</a:t>
-              </a:r>
-              <a:endParaRPr lang="en-DK" sz="2000" dirty="0">
-                <a:solidFill>
-                  <a:schemeClr val="tx1"/>
-                </a:solidFill>
-              </a:endParaRPr>
-            </a:p>
-          </p:txBody>
-        </p:sp>
-        <p:sp>
-          <p:nvSpPr>
-            <p:cNvPr id="9" name="Oval 8">
-              <a:extLst>
-                <a:ext uri="{FF2B5EF4-FFF2-40B4-BE49-F238E27FC236}">
-                  <a16:creationId xmlns:a16="http://schemas.microsoft.com/office/drawing/2014/main" id="{AA8CC237-7016-7CFF-1E69-E1BA78992473}"/>
-                </a:ext>
-              </a:extLst>
-            </p:cNvPr>
-            <p:cNvSpPr/>
-            <p:nvPr/>
-          </p:nvSpPr>
-          <p:spPr>
-            <a:xfrm>
-              <a:off x="3381736" y="1752599"/>
-              <a:ext cx="468000" cy="468000"/>
-            </a:xfrm>
-            <a:prstGeom prst="ellipse">
-              <a:avLst/>
-            </a:prstGeom>
-            <a:solidFill>
-              <a:schemeClr val="bg1"/>
-            </a:solidFill>
-          </p:spPr>
-          <p:style>
-            <a:lnRef idx="2">
-              <a:schemeClr val="accent1">
-                <a:shade val="15000"/>
-              </a:schemeClr>
-            </a:lnRef>
-            <a:fillRef idx="1">
-              <a:schemeClr val="accent1"/>
-            </a:fillRef>
-            <a:effectRef idx="0">
-              <a:schemeClr val="accent1"/>
-            </a:effectRef>
-            <a:fontRef idx="minor">
-              <a:schemeClr val="lt1"/>
-            </a:fontRef>
-          </p:style>
-          <p:txBody>
-            <a:bodyPr rtlCol="0" anchor="ctr"/>
-            <a:lstStyle/>
-            <a:p>
-              <a:pPr algn="ctr"/>
-              <a:r>
-                <a:rPr lang="en-GB" sz="2000" dirty="0">
-                  <a:solidFill>
-                    <a:schemeClr val="tx1"/>
-                  </a:solidFill>
-                </a:rPr>
-                <a:t>2</a:t>
-              </a:r>
-              <a:endParaRPr lang="en-DK" sz="2000" dirty="0">
-                <a:solidFill>
-                  <a:schemeClr val="tx1"/>
-                </a:solidFill>
-              </a:endParaRPr>
-            </a:p>
-          </p:txBody>
-        </p:sp>
-        <p:sp>
-          <p:nvSpPr>
-            <p:cNvPr id="10" name="Oval 9">
-              <a:extLst>
-                <a:ext uri="{FF2B5EF4-FFF2-40B4-BE49-F238E27FC236}">
-                  <a16:creationId xmlns:a16="http://schemas.microsoft.com/office/drawing/2014/main" id="{EE138AE4-1099-CD54-1173-22631013458A}"/>
-                </a:ext>
-              </a:extLst>
-            </p:cNvPr>
-            <p:cNvSpPr/>
-            <p:nvPr/>
-          </p:nvSpPr>
-          <p:spPr>
-            <a:xfrm>
-              <a:off x="5976394" y="1002174"/>
-              <a:ext cx="468000" cy="468000"/>
-            </a:xfrm>
-            <a:prstGeom prst="ellipse">
-              <a:avLst/>
-            </a:prstGeom>
-            <a:solidFill>
-              <a:schemeClr val="bg1"/>
-            </a:solidFill>
-          </p:spPr>
-          <p:style>
-            <a:lnRef idx="2">
-              <a:schemeClr val="accent1">
-                <a:shade val="15000"/>
-              </a:schemeClr>
-            </a:lnRef>
-            <a:fillRef idx="1">
-              <a:schemeClr val="accent1"/>
-            </a:fillRef>
-            <a:effectRef idx="0">
-              <a:schemeClr val="accent1"/>
-            </a:effectRef>
-            <a:fontRef idx="minor">
-              <a:schemeClr val="lt1"/>
-            </a:fontRef>
-          </p:style>
-          <p:txBody>
-            <a:bodyPr rtlCol="0" anchor="ctr"/>
-            <a:lstStyle/>
-            <a:p>
-              <a:pPr algn="ctr"/>
-              <a:r>
-                <a:rPr lang="en-GB" sz="2000" dirty="0">
-                  <a:solidFill>
-                    <a:schemeClr val="tx1"/>
-                  </a:solidFill>
-                </a:rPr>
-                <a:t>3</a:t>
-              </a:r>
-              <a:endParaRPr lang="en-DK" sz="2000" dirty="0">
-                <a:solidFill>
-                  <a:schemeClr val="tx1"/>
-                </a:solidFill>
-              </a:endParaRPr>
-            </a:p>
-          </p:txBody>
-        </p:sp>
-        <p:sp>
-          <p:nvSpPr>
-            <p:cNvPr id="11" name="Oval 10">
-              <a:extLst>
-                <a:ext uri="{FF2B5EF4-FFF2-40B4-BE49-F238E27FC236}">
-                  <a16:creationId xmlns:a16="http://schemas.microsoft.com/office/drawing/2014/main" id="{A97AC743-0E2A-0CC8-146B-798F30DA7E91}"/>
-                </a:ext>
-              </a:extLst>
-            </p:cNvPr>
-            <p:cNvSpPr/>
-            <p:nvPr/>
-          </p:nvSpPr>
-          <p:spPr>
-            <a:xfrm>
-              <a:off x="8557549" y="1752599"/>
-              <a:ext cx="468000" cy="468000"/>
-            </a:xfrm>
-            <a:prstGeom prst="ellipse">
-              <a:avLst/>
-            </a:prstGeom>
-            <a:solidFill>
-              <a:schemeClr val="bg1"/>
-            </a:solidFill>
-          </p:spPr>
-          <p:style>
-            <a:lnRef idx="2">
-              <a:schemeClr val="accent1">
-                <a:shade val="15000"/>
-              </a:schemeClr>
-            </a:lnRef>
-            <a:fillRef idx="1">
-              <a:schemeClr val="accent1"/>
-            </a:fillRef>
-            <a:effectRef idx="0">
-              <a:schemeClr val="accent1"/>
-            </a:effectRef>
-            <a:fontRef idx="minor">
-              <a:schemeClr val="lt1"/>
-            </a:fontRef>
-          </p:style>
-          <p:txBody>
-            <a:bodyPr rtlCol="0" anchor="ctr"/>
-            <a:lstStyle/>
-            <a:p>
-              <a:pPr algn="ctr"/>
-              <a:r>
-                <a:rPr lang="en-GB" sz="2000" dirty="0">
-                  <a:solidFill>
-                    <a:schemeClr val="tx1"/>
-                  </a:solidFill>
-                </a:rPr>
-                <a:t>4</a:t>
-              </a:r>
-              <a:endParaRPr lang="en-DK" sz="2000" dirty="0">
-                <a:solidFill>
-                  <a:schemeClr val="tx1"/>
-                </a:solidFill>
-              </a:endParaRPr>
-            </a:p>
-          </p:txBody>
-        </p:sp>
-        <p:sp>
-          <p:nvSpPr>
-            <p:cNvPr id="12" name="Oval 11">
-              <a:extLst>
-                <a:ext uri="{FF2B5EF4-FFF2-40B4-BE49-F238E27FC236}">
-                  <a16:creationId xmlns:a16="http://schemas.microsoft.com/office/drawing/2014/main" id="{E96A5CEA-0669-D931-B622-F9197263A36B}"/>
-                </a:ext>
-              </a:extLst>
-            </p:cNvPr>
-            <p:cNvSpPr/>
-            <p:nvPr/>
-          </p:nvSpPr>
-          <p:spPr>
-            <a:xfrm>
-              <a:off x="9525000" y="3290103"/>
-              <a:ext cx="468000" cy="468000"/>
-            </a:xfrm>
-            <a:prstGeom prst="ellipse">
-              <a:avLst/>
-            </a:prstGeom>
-            <a:solidFill>
-              <a:schemeClr val="bg1"/>
-            </a:solidFill>
-          </p:spPr>
-          <p:style>
-            <a:lnRef idx="2">
-              <a:schemeClr val="accent1">
-                <a:shade val="15000"/>
-              </a:schemeClr>
-            </a:lnRef>
-            <a:fillRef idx="1">
-              <a:schemeClr val="accent1"/>
-            </a:fillRef>
-            <a:effectRef idx="0">
-              <a:schemeClr val="accent1"/>
-            </a:effectRef>
-            <a:fontRef idx="minor">
-              <a:schemeClr val="lt1"/>
-            </a:fontRef>
-          </p:style>
-          <p:txBody>
-            <a:bodyPr rtlCol="0" anchor="ctr"/>
-            <a:lstStyle/>
-            <a:p>
-              <a:pPr algn="ctr"/>
-              <a:r>
-                <a:rPr lang="en-GB" sz="2000" dirty="0">
-                  <a:solidFill>
-                    <a:schemeClr val="tx1"/>
-                  </a:solidFill>
-                </a:rPr>
-                <a:t>5</a:t>
-              </a:r>
-              <a:endParaRPr lang="en-DK" sz="2000" dirty="0">
-                <a:solidFill>
-                  <a:schemeClr val="tx1"/>
-                </a:solidFill>
-              </a:endParaRPr>
-            </a:p>
-          </p:txBody>
-        </p:sp>
-        <p:sp>
-          <p:nvSpPr>
-            <p:cNvPr id="13" name="Oval 12">
-              <a:extLst>
-                <a:ext uri="{FF2B5EF4-FFF2-40B4-BE49-F238E27FC236}">
-                  <a16:creationId xmlns:a16="http://schemas.microsoft.com/office/drawing/2014/main" id="{B2F2D3FA-01DA-665D-731B-610F1224E457}"/>
-                </a:ext>
-              </a:extLst>
-            </p:cNvPr>
-            <p:cNvSpPr/>
-            <p:nvPr/>
-          </p:nvSpPr>
-          <p:spPr>
-            <a:xfrm>
-              <a:off x="8557549" y="4637402"/>
-              <a:ext cx="468000" cy="468000"/>
-            </a:xfrm>
-            <a:prstGeom prst="ellipse">
-              <a:avLst/>
-            </a:prstGeom>
-            <a:solidFill>
-              <a:schemeClr val="bg1"/>
-            </a:solidFill>
-          </p:spPr>
-          <p:style>
-            <a:lnRef idx="2">
-              <a:schemeClr val="accent1">
-                <a:shade val="15000"/>
-              </a:schemeClr>
-            </a:lnRef>
-            <a:fillRef idx="1">
-              <a:schemeClr val="accent1"/>
-            </a:fillRef>
-            <a:effectRef idx="0">
-              <a:schemeClr val="accent1"/>
-            </a:effectRef>
-            <a:fontRef idx="minor">
-              <a:schemeClr val="lt1"/>
-            </a:fontRef>
-          </p:style>
-          <p:txBody>
-            <a:bodyPr rtlCol="0" anchor="ctr"/>
-            <a:lstStyle/>
-            <a:p>
-              <a:pPr algn="ctr"/>
-              <a:r>
-                <a:rPr lang="en-GB" sz="2000" dirty="0">
-                  <a:solidFill>
-                    <a:schemeClr val="tx1"/>
-                  </a:solidFill>
-                </a:rPr>
-                <a:t>6</a:t>
-              </a:r>
-              <a:endParaRPr lang="en-DK" sz="2000" dirty="0">
-                <a:solidFill>
-                  <a:schemeClr val="tx1"/>
-                </a:solidFill>
-              </a:endParaRPr>
-            </a:p>
-          </p:txBody>
-        </p:sp>
-        <p:sp>
-          <p:nvSpPr>
-            <p:cNvPr id="14" name="Oval 13">
-              <a:extLst>
-                <a:ext uri="{FF2B5EF4-FFF2-40B4-BE49-F238E27FC236}">
-                  <a16:creationId xmlns:a16="http://schemas.microsoft.com/office/drawing/2014/main" id="{89856ADA-2C10-E941-E727-A9611C6EC259}"/>
-                </a:ext>
-              </a:extLst>
-            </p:cNvPr>
-            <p:cNvSpPr/>
-            <p:nvPr/>
-          </p:nvSpPr>
-          <p:spPr>
-            <a:xfrm>
-              <a:off x="5976394" y="5509913"/>
-              <a:ext cx="468000" cy="468000"/>
-            </a:xfrm>
-            <a:prstGeom prst="ellipse">
-              <a:avLst/>
-            </a:prstGeom>
-            <a:solidFill>
-              <a:schemeClr val="bg1"/>
-            </a:solidFill>
-          </p:spPr>
-          <p:style>
-            <a:lnRef idx="2">
-              <a:schemeClr val="accent1">
-                <a:shade val="15000"/>
-              </a:schemeClr>
-            </a:lnRef>
-            <a:fillRef idx="1">
-              <a:schemeClr val="accent1"/>
-            </a:fillRef>
-            <a:effectRef idx="0">
-              <a:schemeClr val="accent1"/>
-            </a:effectRef>
-            <a:fontRef idx="minor">
-              <a:schemeClr val="lt1"/>
-            </a:fontRef>
-          </p:style>
-          <p:txBody>
-            <a:bodyPr rtlCol="0" anchor="ctr"/>
-            <a:lstStyle/>
-            <a:p>
-              <a:pPr algn="ctr"/>
-              <a:r>
-                <a:rPr lang="en-GB" sz="2000" dirty="0">
-                  <a:solidFill>
-                    <a:schemeClr val="tx1"/>
-                  </a:solidFill>
-                </a:rPr>
-                <a:t>7</a:t>
-              </a:r>
-              <a:endParaRPr lang="en-DK" sz="2000" dirty="0">
-                <a:solidFill>
-                  <a:schemeClr val="tx1"/>
-                </a:solidFill>
-              </a:endParaRPr>
-            </a:p>
-          </p:txBody>
-        </p:sp>
-        <p:sp>
-          <p:nvSpPr>
-            <p:cNvPr id="15" name="Oval 14">
-              <a:extLst>
-                <a:ext uri="{FF2B5EF4-FFF2-40B4-BE49-F238E27FC236}">
-                  <a16:creationId xmlns:a16="http://schemas.microsoft.com/office/drawing/2014/main" id="{558FAA2D-C675-7499-DA1B-6614F02481F1}"/>
-                </a:ext>
-              </a:extLst>
-            </p:cNvPr>
-            <p:cNvSpPr/>
-            <p:nvPr/>
-          </p:nvSpPr>
-          <p:spPr>
-            <a:xfrm>
-              <a:off x="3381736" y="4637402"/>
-              <a:ext cx="468000" cy="468000"/>
-            </a:xfrm>
-            <a:prstGeom prst="ellipse">
-              <a:avLst/>
-            </a:prstGeom>
-            <a:solidFill>
-              <a:schemeClr val="bg1"/>
-            </a:solidFill>
-          </p:spPr>
-          <p:style>
-            <a:lnRef idx="2">
-              <a:schemeClr val="accent1">
-                <a:shade val="15000"/>
-              </a:schemeClr>
-            </a:lnRef>
-            <a:fillRef idx="1">
-              <a:schemeClr val="accent1"/>
-            </a:fillRef>
-            <a:effectRef idx="0">
-              <a:schemeClr val="accent1"/>
-            </a:effectRef>
-            <a:fontRef idx="minor">
-              <a:schemeClr val="lt1"/>
-            </a:fontRef>
-          </p:style>
-          <p:txBody>
-            <a:bodyPr rtlCol="0" anchor="ctr"/>
-            <a:lstStyle/>
-            <a:p>
-              <a:pPr algn="ctr"/>
-              <a:r>
-                <a:rPr lang="en-GB" sz="2000" dirty="0">
-                  <a:solidFill>
-                    <a:schemeClr val="tx1"/>
-                  </a:solidFill>
-                </a:rPr>
-                <a:t>8</a:t>
-              </a:r>
-              <a:endParaRPr lang="en-DK" sz="2000" dirty="0">
-                <a:solidFill>
-                  <a:schemeClr val="tx1"/>
-                </a:solidFill>
-              </a:endParaRPr>
-            </a:p>
-          </p:txBody>
-        </p:sp>
-      </p:grpSp>
     </p:spTree>
     <p:extLst>
       <p:ext uri="{BB962C8B-B14F-4D97-AF65-F5344CB8AC3E}">
